--- a/6sem/KSKR/MainCourse/12.pptx
+++ b/6sem/KSKR/MainCourse/12.pptx
@@ -3651,21 +3651,7 @@
                 <a:latin typeface="Times New Roman" panose="02020603050405020304" pitchFamily="18" charset="0"/>
                 <a:cs typeface="Times New Roman" panose="02020603050405020304" pitchFamily="18" charset="0"/>
               </a:rPr>
-              <a:t>ИТ</a:t>
-            </a:r>
-            <a:r>
-              <a:rPr lang="ru-RU" sz="2800" dirty="0" smtClean="0">
-                <a:latin typeface="Times New Roman" panose="02020603050405020304" pitchFamily="18" charset="0"/>
-                <a:cs typeface="Times New Roman" panose="02020603050405020304" pitchFamily="18" charset="0"/>
-              </a:rPr>
-              <a:t>П</a:t>
-            </a:r>
-            <a:r>
-              <a:rPr lang="ru-RU" sz="2800" dirty="0" smtClean="0">
-                <a:latin typeface="Times New Roman" panose="02020603050405020304" pitchFamily="18" charset="0"/>
-                <a:cs typeface="Times New Roman" panose="02020603050405020304" pitchFamily="18" charset="0"/>
-              </a:rPr>
-              <a:t>-31</a:t>
+              <a:t>ИТП-31</a:t>
             </a:r>
           </a:p>
           <a:p>
@@ -3696,14 +3682,7 @@
                 <a:latin typeface="Times New Roman" panose="02020603050405020304" pitchFamily="18" charset="0"/>
                 <a:cs typeface="Times New Roman" panose="02020603050405020304" pitchFamily="18" charset="0"/>
               </a:rPr>
-              <a:t>Руководитель </a:t>
-            </a:r>
-            <a:r>
-              <a:rPr lang="ru-RU" sz="2800" dirty="0" smtClean="0">
-                <a:latin typeface="Times New Roman" panose="02020603050405020304" pitchFamily="18" charset="0"/>
-                <a:cs typeface="Times New Roman" panose="02020603050405020304" pitchFamily="18" charset="0"/>
-              </a:rPr>
-              <a:t>проекта: доцент</a:t>
+              <a:t>Руководитель проекта: доцент</a:t>
             </a:r>
             <a:endParaRPr lang="ru-RU" sz="2800" dirty="0">
               <a:latin typeface="Times New Roman" panose="02020603050405020304" pitchFamily="18" charset="0"/>
@@ -4553,10 +4532,6 @@
               </a:rPr>
               <a:t>Чертеж детали</a:t>
             </a:r>
-            <a:endParaRPr lang="ru-RU" sz="4000" b="1" dirty="0">
-              <a:latin typeface="Times New Roman" panose="02020603050405020304" pitchFamily="18" charset="0"/>
-              <a:cs typeface="Times New Roman" panose="02020603050405020304" pitchFamily="18" charset="0"/>
-            </a:endParaRPr>
           </a:p>
         </p:txBody>
       </p:sp>
@@ -4927,37 +4902,9 @@
               </a:rPr>
               <a:t>Архитектура приложения</a:t>
             </a:r>
-            <a:endParaRPr lang="ru-RU" sz="4800" b="1" dirty="0">
-              <a:latin typeface="Times New Roman" panose="02020603050405020304" pitchFamily="18" charset="0"/>
-              <a:cs typeface="Times New Roman" panose="02020603050405020304" pitchFamily="18" charset="0"/>
-            </a:endParaRPr>
-          </a:p>
-        </p:txBody>
-      </p:sp>
-      <p:pic>
-        <p:nvPicPr>
-          <p:cNvPr id="5" name="Рисунок 2"/>
-          <p:cNvPicPr>
-            <a:picLocks noChangeAspect="1"/>
-          </p:cNvPicPr>
-          <p:nvPr/>
-        </p:nvPicPr>
-        <p:blipFill>
-          <a:blip r:embed="rId2"/>
-          <a:stretch>
-            <a:fillRect/>
-          </a:stretch>
-        </p:blipFill>
-        <p:spPr>
-          <a:xfrm>
-            <a:off x="2707713" y="1216326"/>
-            <a:ext cx="7133473" cy="5322326"/>
-          </a:xfrm>
-          <a:prstGeom prst="rect">
-            <a:avLst/>
-          </a:prstGeom>
-        </p:spPr>
-      </p:pic>
+          </a:p>
+        </p:txBody>
+      </p:sp>
       <p:pic>
         <p:nvPicPr>
           <p:cNvPr id="6" name="Picture 2" descr="https://psv4.userapi.com/c856236/u328599430/docs/d2/356dc5952c1c/Risunok1.png?extra=0n3STa8O-uaT91YTBaYJsoKbrRjnnZnqeuVsAsteXhFeWAbF5XFi8Jg3dF4wo4oPHza4nmQnqV0-Y1g6MdYMjsyxgBzqZeS4rva6HRXkz8j7GQ9JD_PceWArni0z74hvK4stnagK8te4OqVn7MjV9yzNSw"/>
@@ -4967,7 +4914,7 @@
           <p:nvPr/>
         </p:nvPicPr>
         <p:blipFill>
-          <a:blip r:embed="rId3">
+          <a:blip r:embed="rId2">
             <a:extLst>
               <a:ext uri="{28A0092B-C50C-407E-A947-70E740481C1C}">
                 <a14:useLocalDpi xmlns:a14="http://schemas.microsoft.com/office/drawing/2010/main" val="0"/>
@@ -4997,6 +4944,30 @@
               </a14:hiddenFill>
             </a:ext>
           </a:extLst>
+        </p:spPr>
+      </p:pic>
+      <p:pic>
+        <p:nvPicPr>
+          <p:cNvPr id="3" name="Picture 2"/>
+          <p:cNvPicPr>
+            <a:picLocks noChangeAspect="1"/>
+          </p:cNvPicPr>
+          <p:nvPr/>
+        </p:nvPicPr>
+        <p:blipFill>
+          <a:blip r:embed="rId3"/>
+          <a:stretch>
+            <a:fillRect/>
+          </a:stretch>
+        </p:blipFill>
+        <p:spPr>
+          <a:xfrm>
+            <a:off x="2638425" y="1314450"/>
+            <a:ext cx="6915150" cy="4229100"/>
+          </a:xfrm>
+          <a:prstGeom prst="rect">
+            <a:avLst/>
+          </a:prstGeom>
         </p:spPr>
       </p:pic>
     </p:spTree>
